--- a/figures/Chapter 5 - Hashing/5.6 Collision Resolution - Seperate Chaining.pptx
+++ b/figures/Chapter 5 - Hashing/5.6 Collision Resolution - Seperate Chaining.pptx
@@ -106,7 +106,18 @@
   </p:defaultTextStyle>
   <p:extLst>
     <p:ext uri="{EFAFB233-063F-42B5-8137-9DF3F51BA10A}">
-      <p15:sldGuideLst xmlns="" xmlns:p15="http://schemas.microsoft.com/office/powerpoint/2012/main"/>
+      <p15:sldGuideLst xmlns:p15="http://schemas.microsoft.com/office/powerpoint/2012/main">
+        <p15:guide id="1" orient="horz" pos="2160">
+          <p15:clr>
+            <a:srgbClr val="A4A3A4"/>
+          </p15:clr>
+        </p15:guide>
+        <p15:guide id="2" pos="3840">
+          <p15:clr>
+            <a:srgbClr val="A4A3A4"/>
+          </p15:clr>
+        </p15:guide>
+      </p15:sldGuideLst>
     </p:ext>
   </p:extLst>
 </p:presentation>
@@ -154,10 +165,9 @@
           </a:lstStyle>
           <a:p>
             <a:r>
-              <a:rPr lang="en-US" smtClean="0"/>
+              <a:rPr lang="en-US"/>
               <a:t>Click to edit Master title style</a:t>
             </a:r>
-            <a:endParaRPr lang="en-US"/>
           </a:p>
         </p:txBody>
       </p:sp>
@@ -219,10 +229,9 @@
           </a:lstStyle>
           <a:p>
             <a:r>
-              <a:rPr lang="en-US" smtClean="0"/>
+              <a:rPr lang="en-US"/>
               <a:t>Click to edit Master subtitle style</a:t>
             </a:r>
-            <a:endParaRPr lang="en-US"/>
           </a:p>
         </p:txBody>
       </p:sp>
@@ -243,7 +252,7 @@
           <a:p>
             <a:fld id="{5F8C1D27-7054-4C6B-8816-BEAA3AD2E28B}" type="datetimeFigureOut">
               <a:rPr lang="en-US" smtClean="0"/>
-              <a:t>8/24/16</a:t>
+              <a:t>5/8/18</a:t>
             </a:fld>
             <a:endParaRPr lang="en-US"/>
           </a:p>
@@ -337,10 +346,9 @@
           <a:lstStyle/>
           <a:p>
             <a:r>
-              <a:rPr lang="en-US" smtClean="0"/>
+              <a:rPr lang="en-US"/>
               <a:t>Click to edit Master title style</a:t>
             </a:r>
-            <a:endParaRPr lang="en-US"/>
           </a:p>
         </p:txBody>
       </p:sp>
@@ -361,38 +369,37 @@
           <a:p>
             <a:pPr lvl="0"/>
             <a:r>
-              <a:rPr lang="en-US" smtClean="0"/>
+              <a:rPr lang="en-US"/>
               <a:t>Click to edit Master text styles</a:t>
             </a:r>
           </a:p>
           <a:p>
             <a:pPr lvl="1"/>
             <a:r>
-              <a:rPr lang="en-US" smtClean="0"/>
+              <a:rPr lang="en-US"/>
               <a:t>Second level</a:t>
             </a:r>
           </a:p>
           <a:p>
             <a:pPr lvl="2"/>
             <a:r>
-              <a:rPr lang="en-US" smtClean="0"/>
+              <a:rPr lang="en-US"/>
               <a:t>Third level</a:t>
             </a:r>
           </a:p>
           <a:p>
             <a:pPr lvl="3"/>
             <a:r>
-              <a:rPr lang="en-US" smtClean="0"/>
+              <a:rPr lang="en-US"/>
               <a:t>Fourth level</a:t>
             </a:r>
           </a:p>
           <a:p>
             <a:pPr lvl="4"/>
             <a:r>
-              <a:rPr lang="en-US" smtClean="0"/>
+              <a:rPr lang="en-US"/>
               <a:t>Fifth level</a:t>
             </a:r>
-            <a:endParaRPr lang="en-US"/>
           </a:p>
         </p:txBody>
       </p:sp>
@@ -413,7 +420,7 @@
           <a:p>
             <a:fld id="{5F8C1D27-7054-4C6B-8816-BEAA3AD2E28B}" type="datetimeFigureOut">
               <a:rPr lang="en-US" smtClean="0"/>
-              <a:t>8/24/16</a:t>
+              <a:t>5/8/18</a:t>
             </a:fld>
             <a:endParaRPr lang="en-US"/>
           </a:p>
@@ -512,10 +519,9 @@
           <a:lstStyle/>
           <a:p>
             <a:r>
-              <a:rPr lang="en-US" smtClean="0"/>
+              <a:rPr lang="en-US"/>
               <a:t>Click to edit Master title style</a:t>
             </a:r>
-            <a:endParaRPr lang="en-US"/>
           </a:p>
         </p:txBody>
       </p:sp>
@@ -541,38 +547,37 @@
           <a:p>
             <a:pPr lvl="0"/>
             <a:r>
-              <a:rPr lang="en-US" smtClean="0"/>
+              <a:rPr lang="en-US"/>
               <a:t>Click to edit Master text styles</a:t>
             </a:r>
           </a:p>
           <a:p>
             <a:pPr lvl="1"/>
             <a:r>
-              <a:rPr lang="en-US" smtClean="0"/>
+              <a:rPr lang="en-US"/>
               <a:t>Second level</a:t>
             </a:r>
           </a:p>
           <a:p>
             <a:pPr lvl="2"/>
             <a:r>
-              <a:rPr lang="en-US" smtClean="0"/>
+              <a:rPr lang="en-US"/>
               <a:t>Third level</a:t>
             </a:r>
           </a:p>
           <a:p>
             <a:pPr lvl="3"/>
             <a:r>
-              <a:rPr lang="en-US" smtClean="0"/>
+              <a:rPr lang="en-US"/>
               <a:t>Fourth level</a:t>
             </a:r>
           </a:p>
           <a:p>
             <a:pPr lvl="4"/>
             <a:r>
-              <a:rPr lang="en-US" smtClean="0"/>
+              <a:rPr lang="en-US"/>
               <a:t>Fifth level</a:t>
             </a:r>
-            <a:endParaRPr lang="en-US"/>
           </a:p>
         </p:txBody>
       </p:sp>
@@ -593,7 +598,7 @@
           <a:p>
             <a:fld id="{5F8C1D27-7054-4C6B-8816-BEAA3AD2E28B}" type="datetimeFigureOut">
               <a:rPr lang="en-US" smtClean="0"/>
-              <a:t>8/24/16</a:t>
+              <a:t>5/8/18</a:t>
             </a:fld>
             <a:endParaRPr lang="en-US"/>
           </a:p>
@@ -687,10 +692,9 @@
           <a:lstStyle/>
           <a:p>
             <a:r>
-              <a:rPr lang="en-US" smtClean="0"/>
+              <a:rPr lang="en-US"/>
               <a:t>Click to edit Master title style</a:t>
             </a:r>
-            <a:endParaRPr lang="en-US"/>
           </a:p>
         </p:txBody>
       </p:sp>
@@ -711,38 +715,37 @@
           <a:p>
             <a:pPr lvl="0"/>
             <a:r>
-              <a:rPr lang="en-US" smtClean="0"/>
+              <a:rPr lang="en-US"/>
               <a:t>Click to edit Master text styles</a:t>
             </a:r>
           </a:p>
           <a:p>
             <a:pPr lvl="1"/>
             <a:r>
-              <a:rPr lang="en-US" smtClean="0"/>
+              <a:rPr lang="en-US"/>
               <a:t>Second level</a:t>
             </a:r>
           </a:p>
           <a:p>
             <a:pPr lvl="2"/>
             <a:r>
-              <a:rPr lang="en-US" smtClean="0"/>
+              <a:rPr lang="en-US"/>
               <a:t>Third level</a:t>
             </a:r>
           </a:p>
           <a:p>
             <a:pPr lvl="3"/>
             <a:r>
-              <a:rPr lang="en-US" smtClean="0"/>
+              <a:rPr lang="en-US"/>
               <a:t>Fourth level</a:t>
             </a:r>
           </a:p>
           <a:p>
             <a:pPr lvl="4"/>
             <a:r>
-              <a:rPr lang="en-US" smtClean="0"/>
+              <a:rPr lang="en-US"/>
               <a:t>Fifth level</a:t>
             </a:r>
-            <a:endParaRPr lang="en-US"/>
           </a:p>
         </p:txBody>
       </p:sp>
@@ -763,7 +766,7 @@
           <a:p>
             <a:fld id="{5F8C1D27-7054-4C6B-8816-BEAA3AD2E28B}" type="datetimeFigureOut">
               <a:rPr lang="en-US" smtClean="0"/>
-              <a:t>8/24/16</a:t>
+              <a:t>5/8/18</a:t>
             </a:fld>
             <a:endParaRPr lang="en-US"/>
           </a:p>
@@ -866,10 +869,9 @@
           </a:lstStyle>
           <a:p>
             <a:r>
-              <a:rPr lang="en-US" smtClean="0"/>
+              <a:rPr lang="en-US"/>
               <a:t>Click to edit Master title style</a:t>
             </a:r>
-            <a:endParaRPr lang="en-US"/>
           </a:p>
         </p:txBody>
       </p:sp>
@@ -986,7 +988,7 @@
           <a:p>
             <a:pPr lvl="0"/>
             <a:r>
-              <a:rPr lang="en-US" smtClean="0"/>
+              <a:rPr lang="en-US"/>
               <a:t>Click to edit Master text styles</a:t>
             </a:r>
           </a:p>
@@ -1009,7 +1011,7 @@
           <a:p>
             <a:fld id="{5F8C1D27-7054-4C6B-8816-BEAA3AD2E28B}" type="datetimeFigureOut">
               <a:rPr lang="en-US" smtClean="0"/>
-              <a:t>8/24/16</a:t>
+              <a:t>5/8/18</a:t>
             </a:fld>
             <a:endParaRPr lang="en-US"/>
           </a:p>
@@ -1103,10 +1105,9 @@
           <a:lstStyle/>
           <a:p>
             <a:r>
-              <a:rPr lang="en-US" smtClean="0"/>
+              <a:rPr lang="en-US"/>
               <a:t>Click to edit Master title style</a:t>
             </a:r>
-            <a:endParaRPr lang="en-US"/>
           </a:p>
         </p:txBody>
       </p:sp>
@@ -1132,38 +1133,37 @@
           <a:p>
             <a:pPr lvl="0"/>
             <a:r>
-              <a:rPr lang="en-US" smtClean="0"/>
+              <a:rPr lang="en-US"/>
               <a:t>Click to edit Master text styles</a:t>
             </a:r>
           </a:p>
           <a:p>
             <a:pPr lvl="1"/>
             <a:r>
-              <a:rPr lang="en-US" smtClean="0"/>
+              <a:rPr lang="en-US"/>
               <a:t>Second level</a:t>
             </a:r>
           </a:p>
           <a:p>
             <a:pPr lvl="2"/>
             <a:r>
-              <a:rPr lang="en-US" smtClean="0"/>
+              <a:rPr lang="en-US"/>
               <a:t>Third level</a:t>
             </a:r>
           </a:p>
           <a:p>
             <a:pPr lvl="3"/>
             <a:r>
-              <a:rPr lang="en-US" smtClean="0"/>
+              <a:rPr lang="en-US"/>
               <a:t>Fourth level</a:t>
             </a:r>
           </a:p>
           <a:p>
             <a:pPr lvl="4"/>
             <a:r>
-              <a:rPr lang="en-US" smtClean="0"/>
+              <a:rPr lang="en-US"/>
               <a:t>Fifth level</a:t>
             </a:r>
-            <a:endParaRPr lang="en-US"/>
           </a:p>
         </p:txBody>
       </p:sp>
@@ -1189,38 +1189,37 @@
           <a:p>
             <a:pPr lvl="0"/>
             <a:r>
-              <a:rPr lang="en-US" smtClean="0"/>
+              <a:rPr lang="en-US"/>
               <a:t>Click to edit Master text styles</a:t>
             </a:r>
           </a:p>
           <a:p>
             <a:pPr lvl="1"/>
             <a:r>
-              <a:rPr lang="en-US" smtClean="0"/>
+              <a:rPr lang="en-US"/>
               <a:t>Second level</a:t>
             </a:r>
           </a:p>
           <a:p>
             <a:pPr lvl="2"/>
             <a:r>
-              <a:rPr lang="en-US" smtClean="0"/>
+              <a:rPr lang="en-US"/>
               <a:t>Third level</a:t>
             </a:r>
           </a:p>
           <a:p>
             <a:pPr lvl="3"/>
             <a:r>
-              <a:rPr lang="en-US" smtClean="0"/>
+              <a:rPr lang="en-US"/>
               <a:t>Fourth level</a:t>
             </a:r>
           </a:p>
           <a:p>
             <a:pPr lvl="4"/>
             <a:r>
-              <a:rPr lang="en-US" smtClean="0"/>
+              <a:rPr lang="en-US"/>
               <a:t>Fifth level</a:t>
             </a:r>
-            <a:endParaRPr lang="en-US"/>
           </a:p>
         </p:txBody>
       </p:sp>
@@ -1241,7 +1240,7 @@
           <a:p>
             <a:fld id="{5F8C1D27-7054-4C6B-8816-BEAA3AD2E28B}" type="datetimeFigureOut">
               <a:rPr lang="en-US" smtClean="0"/>
-              <a:t>8/24/16</a:t>
+              <a:t>5/8/18</a:t>
             </a:fld>
             <a:endParaRPr lang="en-US"/>
           </a:p>
@@ -1340,10 +1339,9 @@
           <a:lstStyle/>
           <a:p>
             <a:r>
-              <a:rPr lang="en-US" smtClean="0"/>
+              <a:rPr lang="en-US"/>
               <a:t>Click to edit Master title style</a:t>
             </a:r>
-            <a:endParaRPr lang="en-US"/>
           </a:p>
         </p:txBody>
       </p:sp>
@@ -1406,7 +1404,7 @@
           <a:p>
             <a:pPr lvl="0"/>
             <a:r>
-              <a:rPr lang="en-US" smtClean="0"/>
+              <a:rPr lang="en-US"/>
               <a:t>Click to edit Master text styles</a:t>
             </a:r>
           </a:p>
@@ -1434,38 +1432,37 @@
           <a:p>
             <a:pPr lvl="0"/>
             <a:r>
-              <a:rPr lang="en-US" smtClean="0"/>
+              <a:rPr lang="en-US"/>
               <a:t>Click to edit Master text styles</a:t>
             </a:r>
           </a:p>
           <a:p>
             <a:pPr lvl="1"/>
             <a:r>
-              <a:rPr lang="en-US" smtClean="0"/>
+              <a:rPr lang="en-US"/>
               <a:t>Second level</a:t>
             </a:r>
           </a:p>
           <a:p>
             <a:pPr lvl="2"/>
             <a:r>
-              <a:rPr lang="en-US" smtClean="0"/>
+              <a:rPr lang="en-US"/>
               <a:t>Third level</a:t>
             </a:r>
           </a:p>
           <a:p>
             <a:pPr lvl="3"/>
             <a:r>
-              <a:rPr lang="en-US" smtClean="0"/>
+              <a:rPr lang="en-US"/>
               <a:t>Fourth level</a:t>
             </a:r>
           </a:p>
           <a:p>
             <a:pPr lvl="4"/>
             <a:r>
-              <a:rPr lang="en-US" smtClean="0"/>
+              <a:rPr lang="en-US"/>
               <a:t>Fifth level</a:t>
             </a:r>
-            <a:endParaRPr lang="en-US"/>
           </a:p>
         </p:txBody>
       </p:sp>
@@ -1528,7 +1525,7 @@
           <a:p>
             <a:pPr lvl="0"/>
             <a:r>
-              <a:rPr lang="en-US" smtClean="0"/>
+              <a:rPr lang="en-US"/>
               <a:t>Click to edit Master text styles</a:t>
             </a:r>
           </a:p>
@@ -1556,38 +1553,37 @@
           <a:p>
             <a:pPr lvl="0"/>
             <a:r>
-              <a:rPr lang="en-US" smtClean="0"/>
+              <a:rPr lang="en-US"/>
               <a:t>Click to edit Master text styles</a:t>
             </a:r>
           </a:p>
           <a:p>
             <a:pPr lvl="1"/>
             <a:r>
-              <a:rPr lang="en-US" smtClean="0"/>
+              <a:rPr lang="en-US"/>
               <a:t>Second level</a:t>
             </a:r>
           </a:p>
           <a:p>
             <a:pPr lvl="2"/>
             <a:r>
-              <a:rPr lang="en-US" smtClean="0"/>
+              <a:rPr lang="en-US"/>
               <a:t>Third level</a:t>
             </a:r>
           </a:p>
           <a:p>
             <a:pPr lvl="3"/>
             <a:r>
-              <a:rPr lang="en-US" smtClean="0"/>
+              <a:rPr lang="en-US"/>
               <a:t>Fourth level</a:t>
             </a:r>
           </a:p>
           <a:p>
             <a:pPr lvl="4"/>
             <a:r>
-              <a:rPr lang="en-US" smtClean="0"/>
+              <a:rPr lang="en-US"/>
               <a:t>Fifth level</a:t>
             </a:r>
-            <a:endParaRPr lang="en-US"/>
           </a:p>
         </p:txBody>
       </p:sp>
@@ -1608,7 +1604,7 @@
           <a:p>
             <a:fld id="{5F8C1D27-7054-4C6B-8816-BEAA3AD2E28B}" type="datetimeFigureOut">
               <a:rPr lang="en-US" smtClean="0"/>
-              <a:t>8/24/16</a:t>
+              <a:t>5/8/18</a:t>
             </a:fld>
             <a:endParaRPr lang="en-US"/>
           </a:p>
@@ -1702,10 +1698,9 @@
           <a:lstStyle/>
           <a:p>
             <a:r>
-              <a:rPr lang="en-US" smtClean="0"/>
+              <a:rPr lang="en-US"/>
               <a:t>Click to edit Master title style</a:t>
             </a:r>
-            <a:endParaRPr lang="en-US"/>
           </a:p>
         </p:txBody>
       </p:sp>
@@ -1726,7 +1721,7 @@
           <a:p>
             <a:fld id="{5F8C1D27-7054-4C6B-8816-BEAA3AD2E28B}" type="datetimeFigureOut">
               <a:rPr lang="en-US" smtClean="0"/>
-              <a:t>8/24/16</a:t>
+              <a:t>5/8/18</a:t>
             </a:fld>
             <a:endParaRPr lang="en-US"/>
           </a:p>
@@ -1821,7 +1816,7 @@
           <a:p>
             <a:fld id="{5F8C1D27-7054-4C6B-8816-BEAA3AD2E28B}" type="datetimeFigureOut">
               <a:rPr lang="en-US" smtClean="0"/>
-              <a:t>8/24/16</a:t>
+              <a:t>5/8/18</a:t>
             </a:fld>
             <a:endParaRPr lang="en-US"/>
           </a:p>
@@ -1924,10 +1919,9 @@
           </a:lstStyle>
           <a:p>
             <a:r>
-              <a:rPr lang="en-US" smtClean="0"/>
+              <a:rPr lang="en-US"/>
               <a:t>Click to edit Master title style</a:t>
             </a:r>
-            <a:endParaRPr lang="en-US"/>
           </a:p>
         </p:txBody>
       </p:sp>
@@ -1981,38 +1975,37 @@
           <a:p>
             <a:pPr lvl="0"/>
             <a:r>
-              <a:rPr lang="en-US" smtClean="0"/>
+              <a:rPr lang="en-US"/>
               <a:t>Click to edit Master text styles</a:t>
             </a:r>
           </a:p>
           <a:p>
             <a:pPr lvl="1"/>
             <a:r>
-              <a:rPr lang="en-US" smtClean="0"/>
+              <a:rPr lang="en-US"/>
               <a:t>Second level</a:t>
             </a:r>
           </a:p>
           <a:p>
             <a:pPr lvl="2"/>
             <a:r>
-              <a:rPr lang="en-US" smtClean="0"/>
+              <a:rPr lang="en-US"/>
               <a:t>Third level</a:t>
             </a:r>
           </a:p>
           <a:p>
             <a:pPr lvl="3"/>
             <a:r>
-              <a:rPr lang="en-US" smtClean="0"/>
+              <a:rPr lang="en-US"/>
               <a:t>Fourth level</a:t>
             </a:r>
           </a:p>
           <a:p>
             <a:pPr lvl="4"/>
             <a:r>
-              <a:rPr lang="en-US" smtClean="0"/>
+              <a:rPr lang="en-US"/>
               <a:t>Fifth level</a:t>
             </a:r>
-            <a:endParaRPr lang="en-US"/>
           </a:p>
         </p:txBody>
       </p:sp>
@@ -2075,7 +2068,7 @@
           <a:p>
             <a:pPr lvl="0"/>
             <a:r>
-              <a:rPr lang="en-US" smtClean="0"/>
+              <a:rPr lang="en-US"/>
               <a:t>Click to edit Master text styles</a:t>
             </a:r>
           </a:p>
@@ -2098,7 +2091,7 @@
           <a:p>
             <a:fld id="{5F8C1D27-7054-4C6B-8816-BEAA3AD2E28B}" type="datetimeFigureOut">
               <a:rPr lang="en-US" smtClean="0"/>
-              <a:t>8/24/16</a:t>
+              <a:t>5/8/18</a:t>
             </a:fld>
             <a:endParaRPr lang="en-US"/>
           </a:p>
@@ -2201,10 +2194,9 @@
           </a:lstStyle>
           <a:p>
             <a:r>
-              <a:rPr lang="en-US" smtClean="0"/>
+              <a:rPr lang="en-US"/>
               <a:t>Click to edit Master title style</a:t>
             </a:r>
-            <a:endParaRPr lang="en-US"/>
           </a:p>
         </p:txBody>
       </p:sp>
@@ -2328,7 +2320,7 @@
           <a:p>
             <a:pPr lvl="0"/>
             <a:r>
-              <a:rPr lang="en-US" smtClean="0"/>
+              <a:rPr lang="en-US"/>
               <a:t>Click to edit Master text styles</a:t>
             </a:r>
           </a:p>
@@ -2351,7 +2343,7 @@
           <a:p>
             <a:fld id="{5F8C1D27-7054-4C6B-8816-BEAA3AD2E28B}" type="datetimeFigureOut">
               <a:rPr lang="en-US" smtClean="0"/>
-              <a:t>8/24/16</a:t>
+              <a:t>5/8/18</a:t>
             </a:fld>
             <a:endParaRPr lang="en-US"/>
           </a:p>
@@ -2460,10 +2452,9 @@
           <a:lstStyle/>
           <a:p>
             <a:r>
-              <a:rPr lang="en-US" smtClean="0"/>
+              <a:rPr lang="en-US"/>
               <a:t>Click to edit Master title style</a:t>
             </a:r>
-            <a:endParaRPr lang="en-US"/>
           </a:p>
         </p:txBody>
       </p:sp>
@@ -2494,38 +2485,37 @@
           <a:p>
             <a:pPr lvl="0"/>
             <a:r>
-              <a:rPr lang="en-US" smtClean="0"/>
+              <a:rPr lang="en-US"/>
               <a:t>Click to edit Master text styles</a:t>
             </a:r>
           </a:p>
           <a:p>
             <a:pPr lvl="1"/>
             <a:r>
-              <a:rPr lang="en-US" smtClean="0"/>
+              <a:rPr lang="en-US"/>
               <a:t>Second level</a:t>
             </a:r>
           </a:p>
           <a:p>
             <a:pPr lvl="2"/>
             <a:r>
-              <a:rPr lang="en-US" smtClean="0"/>
+              <a:rPr lang="en-US"/>
               <a:t>Third level</a:t>
             </a:r>
           </a:p>
           <a:p>
             <a:pPr lvl="3"/>
             <a:r>
-              <a:rPr lang="en-US" smtClean="0"/>
+              <a:rPr lang="en-US"/>
               <a:t>Fourth level</a:t>
             </a:r>
           </a:p>
           <a:p>
             <a:pPr lvl="4"/>
             <a:r>
-              <a:rPr lang="en-US" smtClean="0"/>
+              <a:rPr lang="en-US"/>
               <a:t>Fifth level</a:t>
             </a:r>
-            <a:endParaRPr lang="en-US"/>
           </a:p>
         </p:txBody>
       </p:sp>
@@ -2564,7 +2554,7 @@
           <a:p>
             <a:fld id="{5F8C1D27-7054-4C6B-8816-BEAA3AD2E28B}" type="datetimeFigureOut">
               <a:rPr lang="en-US" smtClean="0"/>
-              <a:t>8/24/16</a:t>
+              <a:t>5/8/18</a:t>
             </a:fld>
             <a:endParaRPr lang="en-US"/>
           </a:p>
@@ -2978,7 +2968,7 @@
           <p:nvPr>
             <p:extLst>
               <p:ext uri="{D42A27DB-BD31-4B8C-83A1-F6EECF244321}">
-                <p14:modId xmlns:p14="http://schemas.microsoft.com/office/powerpoint/2010/main" val="2764966840"/>
+                <p14:modId xmlns:p14="http://schemas.microsoft.com/office/powerpoint/2010/main" val="849489476"/>
               </p:ext>
             </p:extLst>
           </p:nvPr>
@@ -2994,11 +2984,41 @@
                 <a:tableStyleId>{5C22544A-7EE6-4342-B048-85BDC9FD1C3A}</a:tableStyleId>
               </a:tblPr>
               <a:tblGrid>
-                <a:gridCol w="901522"/>
-                <a:gridCol w="901522"/>
-                <a:gridCol w="901522"/>
-                <a:gridCol w="901522"/>
-                <a:gridCol w="901522"/>
+                <a:gridCol w="901522">
+                  <a:extLst>
+                    <a:ext uri="{9D8B030D-6E8A-4147-A177-3AD203B41FA5}">
+                      <a16:colId xmlns:a16="http://schemas.microsoft.com/office/drawing/2014/main" val="20000"/>
+                    </a:ext>
+                  </a:extLst>
+                </a:gridCol>
+                <a:gridCol w="901522">
+                  <a:extLst>
+                    <a:ext uri="{9D8B030D-6E8A-4147-A177-3AD203B41FA5}">
+                      <a16:colId xmlns:a16="http://schemas.microsoft.com/office/drawing/2014/main" val="20001"/>
+                    </a:ext>
+                  </a:extLst>
+                </a:gridCol>
+                <a:gridCol w="901522">
+                  <a:extLst>
+                    <a:ext uri="{9D8B030D-6E8A-4147-A177-3AD203B41FA5}">
+                      <a16:colId xmlns:a16="http://schemas.microsoft.com/office/drawing/2014/main" val="20002"/>
+                    </a:ext>
+                  </a:extLst>
+                </a:gridCol>
+                <a:gridCol w="901522">
+                  <a:extLst>
+                    <a:ext uri="{9D8B030D-6E8A-4147-A177-3AD203B41FA5}">
+                      <a16:colId xmlns:a16="http://schemas.microsoft.com/office/drawing/2014/main" val="20003"/>
+                    </a:ext>
+                  </a:extLst>
+                </a:gridCol>
+                <a:gridCol w="901522">
+                  <a:extLst>
+                    <a:ext uri="{9D8B030D-6E8A-4147-A177-3AD203B41FA5}">
+                      <a16:colId xmlns:a16="http://schemas.microsoft.com/office/drawing/2014/main" val="20004"/>
+                    </a:ext>
+                  </a:extLst>
+                </a:gridCol>
               </a:tblGrid>
               <a:tr h="613987">
                 <a:tc>
@@ -3316,6 +3336,11 @@
                     </a:solidFill>
                   </a:tcPr>
                 </a:tc>
+                <a:extLst>
+                  <a:ext uri="{0D108BD9-81ED-4DB2-BD59-A6C34878D82A}">
+                    <a16:rowId xmlns:a16="http://schemas.microsoft.com/office/drawing/2014/main" val="10000"/>
+                  </a:ext>
+                </a:extLst>
               </a:tr>
             </a:tbl>
           </a:graphicData>
@@ -3330,7 +3355,7 @@
         <p:spPr>
           <a:xfrm>
             <a:off x="515156" y="489395"/>
-            <a:ext cx="1545461" cy="584775"/>
+            <a:ext cx="1731451" cy="584775"/>
           </a:xfrm>
           <a:prstGeom prst="rect">
             <a:avLst/>
@@ -3344,11 +3369,11 @@
           <a:lstStyle/>
           <a:p>
             <a:r>
-              <a:rPr lang="en-US" sz="3200" dirty="0" smtClean="0"/>
+              <a:rPr lang="en-US" sz="3200" dirty="0"/>
               <a:t>Insert </a:t>
             </a:r>
             <a:r>
-              <a:rPr lang="en-US" sz="3200" dirty="0" smtClean="0">
+              <a:rPr lang="en-US" sz="3200" dirty="0">
                 <a:solidFill>
                   <a:srgbClr val="00B050"/>
                 </a:solidFill>
@@ -3437,7 +3462,7 @@
           <p:nvPr>
             <p:extLst>
               <p:ext uri="{D42A27DB-BD31-4B8C-83A1-F6EECF244321}">
-                <p14:modId xmlns:p14="http://schemas.microsoft.com/office/powerpoint/2010/main" val="3316675325"/>
+                <p14:modId xmlns:p14="http://schemas.microsoft.com/office/powerpoint/2010/main" val="2495248293"/>
               </p:ext>
             </p:extLst>
           </p:nvPr>
@@ -3453,11 +3478,41 @@
                 <a:tableStyleId>{5C22544A-7EE6-4342-B048-85BDC9FD1C3A}</a:tableStyleId>
               </a:tblPr>
               <a:tblGrid>
-                <a:gridCol w="901522"/>
-                <a:gridCol w="901522"/>
-                <a:gridCol w="901522"/>
-                <a:gridCol w="901522"/>
-                <a:gridCol w="901522"/>
+                <a:gridCol w="901522">
+                  <a:extLst>
+                    <a:ext uri="{9D8B030D-6E8A-4147-A177-3AD203B41FA5}">
+                      <a16:colId xmlns:a16="http://schemas.microsoft.com/office/drawing/2014/main" val="20000"/>
+                    </a:ext>
+                  </a:extLst>
+                </a:gridCol>
+                <a:gridCol w="901522">
+                  <a:extLst>
+                    <a:ext uri="{9D8B030D-6E8A-4147-A177-3AD203B41FA5}">
+                      <a16:colId xmlns:a16="http://schemas.microsoft.com/office/drawing/2014/main" val="20001"/>
+                    </a:ext>
+                  </a:extLst>
+                </a:gridCol>
+                <a:gridCol w="901522">
+                  <a:extLst>
+                    <a:ext uri="{9D8B030D-6E8A-4147-A177-3AD203B41FA5}">
+                      <a16:colId xmlns:a16="http://schemas.microsoft.com/office/drawing/2014/main" val="20002"/>
+                    </a:ext>
+                  </a:extLst>
+                </a:gridCol>
+                <a:gridCol w="901522">
+                  <a:extLst>
+                    <a:ext uri="{9D8B030D-6E8A-4147-A177-3AD203B41FA5}">
+                      <a16:colId xmlns:a16="http://schemas.microsoft.com/office/drawing/2014/main" val="20003"/>
+                    </a:ext>
+                  </a:extLst>
+                </a:gridCol>
+                <a:gridCol w="901522">
+                  <a:extLst>
+                    <a:ext uri="{9D8B030D-6E8A-4147-A177-3AD203B41FA5}">
+                      <a16:colId xmlns:a16="http://schemas.microsoft.com/office/drawing/2014/main" val="20004"/>
+                    </a:ext>
+                  </a:extLst>
+                </a:gridCol>
               </a:tblGrid>
               <a:tr h="613987">
                 <a:tc>
@@ -3775,6 +3830,11 @@
                     </a:solidFill>
                   </a:tcPr>
                 </a:tc>
+                <a:extLst>
+                  <a:ext uri="{0D108BD9-81ED-4DB2-BD59-A6C34878D82A}">
+                    <a16:rowId xmlns:a16="http://schemas.microsoft.com/office/drawing/2014/main" val="10000"/>
+                  </a:ext>
+                </a:extLst>
               </a:tr>
             </a:tbl>
           </a:graphicData>
@@ -3789,7 +3849,7 @@
         <p:spPr>
           <a:xfrm>
             <a:off x="518935" y="1803652"/>
-            <a:ext cx="1545461" cy="584775"/>
+            <a:ext cx="1727672" cy="584775"/>
           </a:xfrm>
           <a:prstGeom prst="rect">
             <a:avLst/>
@@ -3803,7 +3863,7 @@
           <a:lstStyle/>
           <a:p>
             <a:r>
-              <a:rPr lang="en-US" sz="3200" dirty="0" smtClean="0"/>
+              <a:rPr lang="en-US" sz="3200" dirty="0"/>
               <a:t>Insert </a:t>
             </a:r>
             <a:r>
@@ -3814,11 +3874,6 @@
               </a:rPr>
               <a:t>b</a:t>
             </a:r>
-            <a:endParaRPr lang="en-US" sz="3200" dirty="0" smtClean="0">
-              <a:solidFill>
-                <a:srgbClr val="00B050"/>
-              </a:solidFill>
-            </a:endParaRPr>
           </a:p>
         </p:txBody>
       </p:sp>
@@ -3912,18 +3967,13 @@
           <a:p>
             <a:pPr algn="ctr"/>
             <a:r>
-              <a:rPr lang="en-US" sz="3200" dirty="0" smtClean="0">
+              <a:rPr lang="en-US" sz="3200" dirty="0">
                 <a:solidFill>
                   <a:srgbClr val="00B050"/>
                 </a:solidFill>
               </a:rPr>
               <a:t>b</a:t>
             </a:r>
-            <a:endParaRPr lang="en-US" sz="3200" dirty="0">
-              <a:solidFill>
-                <a:srgbClr val="00B050"/>
-              </a:solidFill>
-            </a:endParaRPr>
           </a:p>
           <a:p>
             <a:endParaRPr lang="en-US" dirty="0"/>
@@ -3972,7 +4022,7 @@
           <p:nvPr>
             <p:extLst>
               <p:ext uri="{D42A27DB-BD31-4B8C-83A1-F6EECF244321}">
-                <p14:modId xmlns:p14="http://schemas.microsoft.com/office/powerpoint/2010/main" val="2775554708"/>
+                <p14:modId xmlns:p14="http://schemas.microsoft.com/office/powerpoint/2010/main" val="2447528938"/>
               </p:ext>
             </p:extLst>
           </p:nvPr>
@@ -3988,11 +4038,41 @@
                 <a:tableStyleId>{5C22544A-7EE6-4342-B048-85BDC9FD1C3A}</a:tableStyleId>
               </a:tblPr>
               <a:tblGrid>
-                <a:gridCol w="901522"/>
-                <a:gridCol w="901522"/>
-                <a:gridCol w="901522"/>
-                <a:gridCol w="901522"/>
-                <a:gridCol w="901522"/>
+                <a:gridCol w="901522">
+                  <a:extLst>
+                    <a:ext uri="{9D8B030D-6E8A-4147-A177-3AD203B41FA5}">
+                      <a16:colId xmlns:a16="http://schemas.microsoft.com/office/drawing/2014/main" val="20000"/>
+                    </a:ext>
+                  </a:extLst>
+                </a:gridCol>
+                <a:gridCol w="901522">
+                  <a:extLst>
+                    <a:ext uri="{9D8B030D-6E8A-4147-A177-3AD203B41FA5}">
+                      <a16:colId xmlns:a16="http://schemas.microsoft.com/office/drawing/2014/main" val="20001"/>
+                    </a:ext>
+                  </a:extLst>
+                </a:gridCol>
+                <a:gridCol w="901522">
+                  <a:extLst>
+                    <a:ext uri="{9D8B030D-6E8A-4147-A177-3AD203B41FA5}">
+                      <a16:colId xmlns:a16="http://schemas.microsoft.com/office/drawing/2014/main" val="20002"/>
+                    </a:ext>
+                  </a:extLst>
+                </a:gridCol>
+                <a:gridCol w="901522">
+                  <a:extLst>
+                    <a:ext uri="{9D8B030D-6E8A-4147-A177-3AD203B41FA5}">
+                      <a16:colId xmlns:a16="http://schemas.microsoft.com/office/drawing/2014/main" val="20003"/>
+                    </a:ext>
+                  </a:extLst>
+                </a:gridCol>
+                <a:gridCol w="901522">
+                  <a:extLst>
+                    <a:ext uri="{9D8B030D-6E8A-4147-A177-3AD203B41FA5}">
+                      <a16:colId xmlns:a16="http://schemas.microsoft.com/office/drawing/2014/main" val="20004"/>
+                    </a:ext>
+                  </a:extLst>
+                </a:gridCol>
               </a:tblGrid>
               <a:tr h="613987">
                 <a:tc>
@@ -4310,6 +4390,11 @@
                     </a:solidFill>
                   </a:tcPr>
                 </a:tc>
+                <a:extLst>
+                  <a:ext uri="{0D108BD9-81ED-4DB2-BD59-A6C34878D82A}">
+                    <a16:rowId xmlns:a16="http://schemas.microsoft.com/office/drawing/2014/main" val="10000"/>
+                  </a:ext>
+                </a:extLst>
               </a:tr>
             </a:tbl>
           </a:graphicData>
@@ -4324,7 +4409,7 @@
         <p:spPr>
           <a:xfrm>
             <a:off x="509203" y="3239500"/>
-            <a:ext cx="1545461" cy="584775"/>
+            <a:ext cx="1737404" cy="584775"/>
           </a:xfrm>
           <a:prstGeom prst="rect">
             <a:avLst/>
@@ -4338,11 +4423,11 @@
           <a:lstStyle/>
           <a:p>
             <a:r>
-              <a:rPr lang="en-US" sz="3200" dirty="0" smtClean="0"/>
+              <a:rPr lang="en-US" sz="3200" dirty="0"/>
               <a:t>Insert </a:t>
             </a:r>
             <a:r>
-              <a:rPr lang="en-US" sz="3200" dirty="0" smtClean="0">
+              <a:rPr lang="en-US" sz="3200" dirty="0">
                 <a:solidFill>
                   <a:srgbClr val="00B050"/>
                 </a:solidFill>
@@ -4386,7 +4471,7 @@
           </a:p>
           <a:p>
             <a:pPr algn="ctr"/>
-            <a:endParaRPr lang="en-US" sz="3200" dirty="0" smtClean="0"/>
+            <a:endParaRPr lang="en-US" sz="3200" dirty="0"/>
           </a:p>
         </p:txBody>
       </p:sp>
@@ -4447,18 +4532,13 @@
           <a:p>
             <a:pPr algn="ctr"/>
             <a:r>
-              <a:rPr lang="en-US" sz="3200" dirty="0" smtClean="0">
+              <a:rPr lang="en-US" sz="3200" dirty="0">
                 <a:solidFill>
                   <a:srgbClr val="000000"/>
                 </a:solidFill>
               </a:rPr>
               <a:t>b</a:t>
             </a:r>
-            <a:endParaRPr lang="en-US" sz="3200" dirty="0">
-              <a:solidFill>
-                <a:srgbClr val="000000"/>
-              </a:solidFill>
-            </a:endParaRPr>
           </a:p>
           <a:p>
             <a:endParaRPr lang="en-US" dirty="0"/>
@@ -4522,7 +4602,7 @@
           <a:p>
             <a:pPr algn="ctr"/>
             <a:r>
-              <a:rPr lang="en-US" sz="3200" dirty="0" smtClean="0"/>
+              <a:rPr lang="en-US" sz="3200" dirty="0"/>
               <a:t>a</a:t>
             </a:r>
             <a:endParaRPr lang="en-US" sz="3200" dirty="0">
@@ -5167,7 +5247,7 @@
   <a:extraClrSchemeLst/>
   <a:extLst>
     <a:ext uri="{05A4C25C-085E-4340-85A3-A5531E510DB2}">
-      <thm15:themeFamily xmlns="" xmlns:thm15="http://schemas.microsoft.com/office/thememl/2012/main" name="Office Theme" id="{62F939B6-93AF-4DB8-9C6B-D6C7DFDC589F}" vid="{4A3C46E8-61CC-4603-A589-7422A47A8E4A}"/>
+      <thm15:themeFamily xmlns:thm15="http://schemas.microsoft.com/office/thememl/2012/main" name="Office Theme" id="{62F939B6-93AF-4DB8-9C6B-D6C7DFDC589F}" vid="{4A3C46E8-61CC-4603-A589-7422A47A8E4A}"/>
     </a:ext>
   </a:extLst>
 </a:theme>
